--- a/アイデアソン/月面都市パルクール.pptx
+++ b/アイデアソン/月面都市パルクール.pptx
@@ -107,6 +107,11 @@
       </a:defRPr>
     </a:lvl9pPr>
   </p:defaultTextStyle>
+  <p:extLst>
+    <p:ext uri="{EFAFB233-063F-42B5-8137-9DF3F51BA10A}">
+      <p15:sldGuideLst xmlns:p15="http://schemas.microsoft.com/office/powerpoint/2012/main"/>
+    </p:ext>
+  </p:extLst>
 </p:presentation>
 </file>
 
@@ -205,7 +210,7 @@
           <a:effectLst/>
           <a:extLst>
             <a:ext uri="{91240B29-F687-4f45-9708-019B960494DF}">
-              <a14:hiddenLine xmlns:a14="http://schemas.microsoft.com/office/drawing/2010/main" xmlns="" w="9525">
+              <a14:hiddenLine xmlns="" xmlns:a14="http://schemas.microsoft.com/office/drawing/2010/main" w="9525">
                 <a:solidFill>
                   <a:srgbClr val="000000"/>
                 </a:solidFill>
@@ -1715,7 +1720,7 @@
           <a:ln/>
           <a:extLst>
             <a:ext uri="{91240B29-F687-4f45-9708-019B960494DF}">
-              <a14:hiddenLine xmlns:a14="http://schemas.microsoft.com/office/drawing/2010/main" xmlns="" w="9525">
+              <a14:hiddenLine xmlns="" xmlns:a14="http://schemas.microsoft.com/office/drawing/2010/main" w="9525">
                 <a:solidFill>
                   <a:srgbClr val="000000"/>
                 </a:solidFill>
@@ -2019,7 +2024,7 @@
           <a:ln/>
           <a:extLst>
             <a:ext uri="{91240B29-F687-4f45-9708-019B960494DF}">
-              <a14:hiddenLine xmlns:a14="http://schemas.microsoft.com/office/drawing/2010/main" xmlns="" w="9525">
+              <a14:hiddenLine xmlns="" xmlns:a14="http://schemas.microsoft.com/office/drawing/2010/main" w="9525">
                 <a:solidFill>
                   <a:srgbClr val="000000"/>
                 </a:solidFill>
@@ -2331,7 +2336,7 @@
           <a:ln/>
           <a:extLst>
             <a:ext uri="{91240B29-F687-4f45-9708-019B960494DF}">
-              <a14:hiddenLine xmlns:a14="http://schemas.microsoft.com/office/drawing/2010/main" xmlns="" w="9525">
+              <a14:hiddenLine xmlns="" xmlns:a14="http://schemas.microsoft.com/office/drawing/2010/main" w="9525">
                 <a:solidFill>
                   <a:srgbClr val="000000"/>
                 </a:solidFill>
@@ -2983,7 +2988,7 @@
           <a:ln/>
           <a:extLst>
             <a:ext uri="{91240B29-F687-4f45-9708-019B960494DF}">
-              <a14:hiddenLine xmlns:a14="http://schemas.microsoft.com/office/drawing/2010/main" xmlns="" w="9525">
+              <a14:hiddenLine xmlns="" xmlns:a14="http://schemas.microsoft.com/office/drawing/2010/main" w="9525">
                 <a:solidFill>
                   <a:srgbClr val="000000"/>
                 </a:solidFill>
@@ -3383,7 +3388,7 @@
           <a:ln/>
           <a:extLst>
             <a:ext uri="{91240B29-F687-4f45-9708-019B960494DF}">
-              <a14:hiddenLine xmlns:a14="http://schemas.microsoft.com/office/drawing/2010/main" xmlns="" w="9525">
+              <a14:hiddenLine xmlns="" xmlns:a14="http://schemas.microsoft.com/office/drawing/2010/main" w="9525">
                 <a:solidFill>
                   <a:srgbClr val="000000"/>
                 </a:solidFill>
@@ -3921,7 +3926,7 @@
           <a:ln/>
           <a:extLst>
             <a:ext uri="{91240B29-F687-4f45-9708-019B960494DF}">
-              <a14:hiddenLine xmlns:a14="http://schemas.microsoft.com/office/drawing/2010/main" xmlns="" w="9525">
+              <a14:hiddenLine xmlns="" xmlns:a14="http://schemas.microsoft.com/office/drawing/2010/main" w="9525">
                 <a:solidFill>
                   <a:srgbClr val="000000"/>
                 </a:solidFill>
@@ -4344,7 +4349,7 @@
           <a:ln/>
           <a:extLst>
             <a:ext uri="{91240B29-F687-4f45-9708-019B960494DF}">
-              <a14:hiddenLine xmlns:a14="http://schemas.microsoft.com/office/drawing/2010/main" xmlns="" w="9525">
+              <a14:hiddenLine xmlns="" xmlns:a14="http://schemas.microsoft.com/office/drawing/2010/main" w="9525">
                 <a:solidFill>
                   <a:srgbClr val="000000"/>
                 </a:solidFill>
@@ -6120,6 +6125,22 @@
           <a:p>
             <a:r>
               <a:rPr lang="en-US" altLang="ja-JP" sz="2400" dirty="0"/>
+              <a:t>Very Animation</a:t>
+            </a:r>
+          </a:p>
+          <a:p>
+            <a:pPr marL="400050" lvl="1" indent="0">
+              <a:buNone/>
+            </a:pPr>
+            <a:r>
+              <a:rPr kumimoji="1" lang="ja-JP" altLang="en-US" sz="2000" dirty="0"/>
+              <a:t>モーション作成</a:t>
+            </a:r>
+            <a:endParaRPr kumimoji="1" lang="en-US" altLang="ja-JP" sz="2000" dirty="0"/>
+          </a:p>
+          <a:p>
+            <a:r>
+              <a:rPr lang="en-US" altLang="ja-JP" sz="2400" dirty="0"/>
               <a:t>Photon</a:t>
             </a:r>
           </a:p>
